--- a/Assignment 7/Information Retrieval and Belief Networks.pptx
+++ b/Assignment 7/Information Retrieval and Belief Networks.pptx
@@ -112,6 +112,11 @@
       </a:defRPr>
     </a:lvl9pPr>
   </p:defaultTextStyle>
+  <p:extLst>
+    <p:ext uri="{EFAFB233-063F-42B5-8137-9DF3F51BA10A}">
+      <p15:sldGuideLst xmlns:p15="http://schemas.microsoft.com/office/powerpoint/2012/main"/>
+    </p:ext>
+  </p:extLst>
 </p:presentation>
 </file>
 
@@ -8908,7 +8913,7 @@
           <a:p>
             <a:fld id="{D6E606C8-2E67-4101-9E8B-FA06255A8B62}" type="datetimeFigureOut">
               <a:rPr lang="en-US" smtClean="0"/>
-              <a:t>12/12/2024</a:t>
+              <a:t>12/16/2024</a:t>
             </a:fld>
             <a:endParaRPr lang="en-US"/>
           </a:p>
@@ -9115,7 +9120,7 @@
           <a:p>
             <a:fld id="{D6E606C8-2E67-4101-9E8B-FA06255A8B62}" type="datetimeFigureOut">
               <a:rPr lang="en-US" smtClean="0"/>
-              <a:t>12/12/2024</a:t>
+              <a:t>12/16/2024</a:t>
             </a:fld>
             <a:endParaRPr lang="en-US"/>
           </a:p>
@@ -9295,7 +9300,7 @@
           <a:p>
             <a:fld id="{D6E606C8-2E67-4101-9E8B-FA06255A8B62}" type="datetimeFigureOut">
               <a:rPr lang="en-US" smtClean="0"/>
-              <a:t>12/12/2024</a:t>
+              <a:t>12/16/2024</a:t>
             </a:fld>
             <a:endParaRPr lang="en-US"/>
           </a:p>
@@ -9516,7 +9521,7 @@
           <a:p>
             <a:fld id="{D6E606C8-2E67-4101-9E8B-FA06255A8B62}" type="datetimeFigureOut">
               <a:rPr lang="en-US" smtClean="0"/>
-              <a:t>12/12/2024</a:t>
+              <a:t>12/16/2024</a:t>
             </a:fld>
             <a:endParaRPr lang="en-US"/>
           </a:p>
@@ -9698,7 +9703,7 @@
           <a:p>
             <a:fld id="{D6E606C8-2E67-4101-9E8B-FA06255A8B62}" type="datetimeFigureOut">
               <a:rPr lang="en-US" smtClean="0"/>
-              <a:t>12/12/2024</a:t>
+              <a:t>12/16/2024</a:t>
             </a:fld>
             <a:endParaRPr lang="en-US"/>
           </a:p>
@@ -18596,7 +18601,7 @@
           <a:p>
             <a:fld id="{D6E606C8-2E67-4101-9E8B-FA06255A8B62}" type="datetimeFigureOut">
               <a:rPr lang="en-US" smtClean="0"/>
-              <a:t>12/12/2024</a:t>
+              <a:t>12/16/2024</a:t>
             </a:fld>
             <a:endParaRPr lang="en-US"/>
           </a:p>
@@ -18870,7 +18875,7 @@
           <a:p>
             <a:fld id="{D6E606C8-2E67-4101-9E8B-FA06255A8B62}" type="datetimeFigureOut">
               <a:rPr lang="en-US" smtClean="0"/>
-              <a:t>12/12/2024</a:t>
+              <a:t>12/16/2024</a:t>
             </a:fld>
             <a:endParaRPr lang="en-US"/>
           </a:p>
@@ -19268,7 +19273,7 @@
           <a:p>
             <a:fld id="{D6E606C8-2E67-4101-9E8B-FA06255A8B62}" type="datetimeFigureOut">
               <a:rPr lang="en-US" smtClean="0"/>
-              <a:t>12/12/2024</a:t>
+              <a:t>12/16/2024</a:t>
             </a:fld>
             <a:endParaRPr lang="en-US"/>
           </a:p>
@@ -19386,7 +19391,7 @@
           <a:p>
             <a:fld id="{D6E606C8-2E67-4101-9E8B-FA06255A8B62}" type="datetimeFigureOut">
               <a:rPr lang="en-US" smtClean="0"/>
-              <a:t>12/12/2024</a:t>
+              <a:t>12/16/2024</a:t>
             </a:fld>
             <a:endParaRPr lang="en-US"/>
           </a:p>
@@ -19481,7 +19486,7 @@
           <a:p>
             <a:fld id="{D6E606C8-2E67-4101-9E8B-FA06255A8B62}" type="datetimeFigureOut">
               <a:rPr lang="en-US" smtClean="0"/>
-              <a:t>12/12/2024</a:t>
+              <a:t>12/16/2024</a:t>
             </a:fld>
             <a:endParaRPr lang="en-US"/>
           </a:p>
@@ -19771,7 +19776,7 @@
           <a:p>
             <a:fld id="{D6E606C8-2E67-4101-9E8B-FA06255A8B62}" type="datetimeFigureOut">
               <a:rPr lang="en-US" smtClean="0"/>
-              <a:t>12/12/2024</a:t>
+              <a:t>12/16/2024</a:t>
             </a:fld>
             <a:endParaRPr lang="en-US"/>
           </a:p>
@@ -20051,7 +20056,7 @@
           <a:p>
             <a:fld id="{D6E606C8-2E67-4101-9E8B-FA06255A8B62}" type="datetimeFigureOut">
               <a:rPr lang="en-US" smtClean="0"/>
-              <a:t>12/12/2024</a:t>
+              <a:t>12/16/2024</a:t>
             </a:fld>
             <a:endParaRPr lang="en-US"/>
           </a:p>
@@ -20301,7 +20306,7 @@
           <a:p>
             <a:fld id="{D6E606C8-2E67-4101-9E8B-FA06255A8B62}" type="datetimeFigureOut">
               <a:rPr lang="en-US" smtClean="0"/>
-              <a:t>12/12/2024</a:t>
+              <a:t>12/16/2024</a:t>
             </a:fld>
             <a:endParaRPr lang="en-US"/>
           </a:p>
@@ -20949,60 +20954,68 @@
         <p:spPr/>
         <p:txBody>
           <a:bodyPr>
-            <a:normAutofit fontScale="85000" lnSpcReduction="20000"/>
+            <a:normAutofit fontScale="92500" lnSpcReduction="20000"/>
           </a:bodyPr>
           <a:lstStyle/>
           <a:p>
             <a:r>
-              <a:rPr lang="en-US"/>
+              <a:rPr lang="en-US" dirty="0"/>
               <a:t>Objective:</a:t>
             </a:r>
           </a:p>
           <a:p>
             <a:r>
+              <a:rPr lang="en-US" dirty="0"/>
+              <a:t>• The goal is to develop a system that can something happening based on the evidence you have, and create a network that shows how things are connected and affect </a:t>
+            </a:r>
+            <a:r>
               <a:rPr lang="en-US"/>
-              <a:t>• The goal is to develop a system that can take a query, rank documents based on their relevance, and compute the probability of relevance using a belief network.</a:t>
+              <a:t>each other</a:t>
             </a:r>
           </a:p>
           <a:p>
             <a:r>
               <a:rPr lang="en-US"/>
-              <a:t>Key Aspects:</a:t>
+              <a:t>Key </a:t>
+            </a:r>
+            <a:r>
+              <a:rPr lang="en-US" dirty="0"/>
+              <a:t>Aspects:</a:t>
             </a:r>
           </a:p>
           <a:p>
             <a:r>
-              <a:rPr lang="en-US"/>
+              <a:rPr lang="en-US" dirty="0"/>
               <a:t>• Query Input: Users input queries such as 'fox' or 'dog.'</a:t>
             </a:r>
           </a:p>
           <a:p>
             <a:r>
-              <a:rPr lang="en-US"/>
+              <a:rPr lang="en-US" dirty="0"/>
               <a:t>• Ranking: Documents are ranked based on how relevant they are to the query.</a:t>
             </a:r>
           </a:p>
           <a:p>
             <a:r>
-              <a:rPr lang="en-US"/>
+              <a:rPr lang="en-US" dirty="0"/>
               <a:t>• Belief Network: The system uses a belief network to calculate the probability of relevance, leveraging Bayes' Theorem.</a:t>
             </a:r>
           </a:p>
           <a:p>
             <a:r>
-              <a:rPr lang="en-US"/>
+              <a:rPr lang="en-US" dirty="0"/>
               <a:t>Key Features:</a:t>
             </a:r>
           </a:p>
           <a:p>
             <a:r>
-              <a:rPr lang="en-US"/>
+              <a:rPr lang="en-US" dirty="0"/>
               <a:t>• Relevance is calculated using predefined relevance judgments.</a:t>
             </a:r>
           </a:p>
           <a:p>
             <a:r>
-              <a:rPr lang="en-US"/>
+              <a:rPr lang="en-US" dirty="0"/>
               <a:t>• Documents are ranked based on probabilities related to both queries and documents.</a:t>
             </a:r>
           </a:p>
